--- a/プレゼンテーション1.pptx
+++ b/プレゼンテーション1.pptx
@@ -107,6 +107,11 @@
       </a:defRPr>
     </a:lvl9pPr>
   </p:defaultTextStyle>
+  <p:extLst>
+    <p:ext uri="{EFAFB233-063F-42B5-8137-9DF3F51BA10A}">
+      <p15:sldGuideLst xmlns:p15="http://schemas.microsoft.com/office/powerpoint/2012/main"/>
+    </p:ext>
+  </p:extLst>
 </p:presentation>
 </file>
 
@@ -257,7 +262,7 @@
           <a:p>
             <a:fld id="{30B236B3-C841-4679-B202-C3833CE18A1D}" type="datetimeFigureOut">
               <a:rPr kumimoji="1" lang="ja-JP" altLang="en-US" smtClean="0"/>
-              <a:t>2024/8/29</a:t>
+              <a:t>2024/8/30</a:t>
             </a:fld>
             <a:endParaRPr kumimoji="1" lang="ja-JP" altLang="en-US"/>
           </a:p>
@@ -487,7 +492,7 @@
           <a:p>
             <a:fld id="{30B236B3-C841-4679-B202-C3833CE18A1D}" type="datetimeFigureOut">
               <a:rPr kumimoji="1" lang="ja-JP" altLang="en-US" smtClean="0"/>
-              <a:t>2024/8/29</a:t>
+              <a:t>2024/8/30</a:t>
             </a:fld>
             <a:endParaRPr kumimoji="1" lang="ja-JP" altLang="en-US"/>
           </a:p>
@@ -727,7 +732,7 @@
           <a:p>
             <a:fld id="{30B236B3-C841-4679-B202-C3833CE18A1D}" type="datetimeFigureOut">
               <a:rPr kumimoji="1" lang="ja-JP" altLang="en-US" smtClean="0"/>
-              <a:t>2024/8/29</a:t>
+              <a:t>2024/8/30</a:t>
             </a:fld>
             <a:endParaRPr kumimoji="1" lang="ja-JP" altLang="en-US"/>
           </a:p>
@@ -957,7 +962,7 @@
           <a:p>
             <a:fld id="{30B236B3-C841-4679-B202-C3833CE18A1D}" type="datetimeFigureOut">
               <a:rPr kumimoji="1" lang="ja-JP" altLang="en-US" smtClean="0"/>
-              <a:t>2024/8/29</a:t>
+              <a:t>2024/8/30</a:t>
             </a:fld>
             <a:endParaRPr kumimoji="1" lang="ja-JP" altLang="en-US"/>
           </a:p>
@@ -1232,7 +1237,7 @@
           <a:p>
             <a:fld id="{30B236B3-C841-4679-B202-C3833CE18A1D}" type="datetimeFigureOut">
               <a:rPr kumimoji="1" lang="ja-JP" altLang="en-US" smtClean="0"/>
-              <a:t>2024/8/29</a:t>
+              <a:t>2024/8/30</a:t>
             </a:fld>
             <a:endParaRPr kumimoji="1" lang="ja-JP" altLang="en-US"/>
           </a:p>
@@ -1561,7 +1566,7 @@
           <a:p>
             <a:fld id="{30B236B3-C841-4679-B202-C3833CE18A1D}" type="datetimeFigureOut">
               <a:rPr kumimoji="1" lang="ja-JP" altLang="en-US" smtClean="0"/>
-              <a:t>2024/8/29</a:t>
+              <a:t>2024/8/30</a:t>
             </a:fld>
             <a:endParaRPr kumimoji="1" lang="ja-JP" altLang="en-US"/>
           </a:p>
@@ -2037,7 +2042,7 @@
           <a:p>
             <a:fld id="{30B236B3-C841-4679-B202-C3833CE18A1D}" type="datetimeFigureOut">
               <a:rPr kumimoji="1" lang="ja-JP" altLang="en-US" smtClean="0"/>
-              <a:t>2024/8/29</a:t>
+              <a:t>2024/8/30</a:t>
             </a:fld>
             <a:endParaRPr kumimoji="1" lang="ja-JP" altLang="en-US"/>
           </a:p>
@@ -2178,7 +2183,7 @@
           <a:p>
             <a:fld id="{30B236B3-C841-4679-B202-C3833CE18A1D}" type="datetimeFigureOut">
               <a:rPr kumimoji="1" lang="ja-JP" altLang="en-US" smtClean="0"/>
-              <a:t>2024/8/29</a:t>
+              <a:t>2024/8/30</a:t>
             </a:fld>
             <a:endParaRPr kumimoji="1" lang="ja-JP" altLang="en-US"/>
           </a:p>
@@ -2291,7 +2296,7 @@
           <a:p>
             <a:fld id="{30B236B3-C841-4679-B202-C3833CE18A1D}" type="datetimeFigureOut">
               <a:rPr kumimoji="1" lang="ja-JP" altLang="en-US" smtClean="0"/>
-              <a:t>2024/8/29</a:t>
+              <a:t>2024/8/30</a:t>
             </a:fld>
             <a:endParaRPr kumimoji="1" lang="ja-JP" altLang="en-US"/>
           </a:p>
@@ -2634,7 +2639,7 @@
           <a:p>
             <a:fld id="{30B236B3-C841-4679-B202-C3833CE18A1D}" type="datetimeFigureOut">
               <a:rPr kumimoji="1" lang="ja-JP" altLang="en-US" smtClean="0"/>
-              <a:t>2024/8/29</a:t>
+              <a:t>2024/8/30</a:t>
             </a:fld>
             <a:endParaRPr kumimoji="1" lang="ja-JP" altLang="en-US"/>
           </a:p>
@@ -2922,7 +2927,7 @@
           <a:p>
             <a:fld id="{30B236B3-C841-4679-B202-C3833CE18A1D}" type="datetimeFigureOut">
               <a:rPr kumimoji="1" lang="ja-JP" altLang="en-US" smtClean="0"/>
-              <a:t>2024/8/29</a:t>
+              <a:t>2024/8/30</a:t>
             </a:fld>
             <a:endParaRPr kumimoji="1" lang="ja-JP" altLang="en-US"/>
           </a:p>
@@ -3195,7 +3200,7 @@
           <a:p>
             <a:fld id="{30B236B3-C841-4679-B202-C3833CE18A1D}" type="datetimeFigureOut">
               <a:rPr kumimoji="1" lang="ja-JP" altLang="en-US" smtClean="0"/>
-              <a:t>2024/8/29</a:t>
+              <a:t>2024/8/30</a:t>
             </a:fld>
             <a:endParaRPr kumimoji="1" lang="ja-JP" altLang="en-US"/>
           </a:p>
@@ -4649,6 +4654,30 @@
           </a:p>
           <a:p>
             <a:pPr algn="ctr"/>
+            <a:r>
+              <a:rPr lang="ja-JP" altLang="en-US" dirty="0"/>
+              <a:t>・今までは</a:t>
+            </a:r>
+            <a:r>
+              <a:rPr lang="en-US" altLang="ja-JP" dirty="0"/>
+              <a:t>Udemy</a:t>
+            </a:r>
+            <a:r>
+              <a:rPr lang="ja-JP" altLang="en-US" dirty="0"/>
+              <a:t>学習がメインで、自分でコードを考えて試すという機会が少なかった中で、演習で似たようなコードを何度も書いてテストしたことで、身についたと感じた。コードを書くことで成長できるんだと学んだ。</a:t>
+            </a:r>
+            <a:r>
+              <a:rPr lang="en-US" altLang="ja-JP" dirty="0"/>
+              <a:t>Md</a:t>
+            </a:r>
+            <a:r>
+              <a:rPr lang="ja-JP" altLang="en-US" dirty="0"/>
+              <a:t>ｎなど文献を読む力が身についた。ペアプロで自分の考を相手に分かるように話すことで、自分の理解度も理解できると分かった。</a:t>
+            </a:r>
+            <a:endParaRPr kumimoji="1" lang="en-US" altLang="ja-JP" dirty="0"/>
+          </a:p>
+          <a:p>
+            <a:pPr algn="ctr"/>
             <a:endParaRPr lang="en-US" altLang="ja-JP" dirty="0"/>
           </a:p>
           <a:p>
@@ -4731,6 +4760,39 @@
               <a:rPr kumimoji="1" lang="ja-JP" altLang="en-US" dirty="0"/>
               <a:t>謝辞</a:t>
             </a:r>
+            <a:endParaRPr kumimoji="1" lang="en-US" altLang="ja-JP" dirty="0"/>
+          </a:p>
+          <a:p>
+            <a:pPr algn="ctr"/>
+            <a:r>
+              <a:rPr lang="ja-JP" altLang="en-US" dirty="0"/>
+              <a:t>講師の方：講義ありがとうございました。質問に対して、答えにたどり着けるヒントを頂いたことで自分で調べる力が付きました。</a:t>
+            </a:r>
+            <a:endParaRPr lang="en-US" altLang="ja-JP" dirty="0"/>
+          </a:p>
+          <a:p>
+            <a:pPr algn="ctr"/>
+            <a:r>
+              <a:rPr kumimoji="1" lang="ja-JP" altLang="en-US" dirty="0"/>
+              <a:t>同期の皆さん：ペアプロでお世話になった方々、講義中の質問で自分にない発想があり、理解が深まりました</a:t>
+            </a:r>
+            <a:endParaRPr kumimoji="1" lang="en-US" altLang="ja-JP" dirty="0"/>
+          </a:p>
+          <a:p>
+            <a:pPr algn="ctr"/>
+            <a:r>
+              <a:rPr lang="ja-JP" altLang="en-US" dirty="0"/>
+              <a:t>職場の皆さん：</a:t>
+            </a:r>
+            <a:r>
+              <a:rPr lang="en-US" altLang="ja-JP" dirty="0"/>
+              <a:t>DIG</a:t>
+            </a:r>
+            <a:r>
+              <a:rPr lang="ja-JP" altLang="en-US" dirty="0"/>
+              <a:t>に送り出していただきありがとうございました。学んだことを活かして、今後の業務に取り組んでいきます。</a:t>
+            </a:r>
+            <a:endParaRPr kumimoji="1" lang="ja-JP" altLang="en-US" dirty="0"/>
           </a:p>
         </p:txBody>
       </p:sp>
